--- a/contents/2018-11-07-王海亮/Javascript原型与闭包的理解.pptx
+++ b/contents/2018-11-07-王海亮/Javascript原型与闭包的理解.pptx
@@ -190,12 +190,12 @@
             <p14:sldId id="377"/>
             <p14:sldId id="378"/>
             <p14:sldId id="379"/>
+            <p14:sldId id="380"/>
             <p14:sldId id="382"/>
             <p14:sldId id="383"/>
             <p14:sldId id="384"/>
             <p14:sldId id="385"/>
             <p14:sldId id="387"/>
-            <p14:sldId id="380"/>
           </p14:sldIdLst>
         </p14:section>
         <p14:section name="四、闭包&#13;" id="{53CD9D6E-FD45-4BBA-8FA1-12AF8934B24A}">
